--- a/docpac_may13/WeeklyReview.pptx
+++ b/docpac_may13/WeeklyReview.pptx
@@ -165,7 +165,7 @@
   <pc:docChgLst>
     <pc:chgData name="Christopher Smith" userId="dd7fc2d5-9988-40ef-9498-c94fd49fd9a4" providerId="ADAL" clId="{62AD9B02-DBCA-4EE0-ADC9-61239CE5ECAC}"/>
     <pc:docChg chg="undo custSel addSld modSld sldOrd">
-      <pc:chgData name="Christopher Smith" userId="dd7fc2d5-9988-40ef-9498-c94fd49fd9a4" providerId="ADAL" clId="{62AD9B02-DBCA-4EE0-ADC9-61239CE5ECAC}" dt="2022-05-09T17:04:51.702" v="1751" actId="20577"/>
+      <pc:chgData name="Christopher Smith" userId="dd7fc2d5-9988-40ef-9498-c94fd49fd9a4" providerId="ADAL" clId="{62AD9B02-DBCA-4EE0-ADC9-61239CE5ECAC}" dt="2022-05-09T17:38:01.368" v="1752"/>
       <pc:docMkLst>
         <pc:docMk/>
       </pc:docMkLst>
@@ -230,8 +230,8 @@
           </ac:graphicFrameMkLst>
         </pc:graphicFrameChg>
       </pc:sldChg>
-      <pc:sldChg chg="modSp add ord">
-        <pc:chgData name="Christopher Smith" userId="dd7fc2d5-9988-40ef-9498-c94fd49fd9a4" providerId="ADAL" clId="{62AD9B02-DBCA-4EE0-ADC9-61239CE5ECAC}" dt="2022-05-09T17:00:57.175" v="1001" actId="20577"/>
+      <pc:sldChg chg="modSp add ord modAnim">
+        <pc:chgData name="Christopher Smith" userId="dd7fc2d5-9988-40ef-9498-c94fd49fd9a4" providerId="ADAL" clId="{62AD9B02-DBCA-4EE0-ADC9-61239CE5ECAC}" dt="2022-05-09T17:38:01.368" v="1752"/>
         <pc:sldMkLst>
           <pc:docMk/>
           <pc:sldMk cId="3795152129" sldId="335"/>
@@ -5436,6 +5436,186 @@
   <p:clrMapOvr>
     <a:masterClrMapping/>
   </p:clrMapOvr>
+  <p:timing>
+    <p:tnLst>
+      <p:par>
+        <p:cTn id="1" dur="indefinite" restart="never" nodeType="tmRoot">
+          <p:childTnLst>
+            <p:seq concurrent="1" nextAc="seek">
+              <p:cTn id="2" dur="indefinite" nodeType="mainSeq">
+                <p:childTnLst>
+                  <p:par>
+                    <p:cTn id="3" fill="hold">
+                      <p:stCondLst>
+                        <p:cond delay="indefinite"/>
+                      </p:stCondLst>
+                      <p:childTnLst>
+                        <p:par>
+                          <p:cTn id="4" fill="hold">
+                            <p:stCondLst>
+                              <p:cond delay="0"/>
+                            </p:stCondLst>
+                            <p:childTnLst>
+                              <p:par>
+                                <p:cTn id="5" presetID="1" presetClass="entr" presetSubtype="0" fill="hold" grpId="0" nodeType="clickEffect">
+                                  <p:stCondLst>
+                                    <p:cond delay="0"/>
+                                  </p:stCondLst>
+                                  <p:childTnLst>
+                                    <p:set>
+                                      <p:cBhvr>
+                                        <p:cTn id="6" dur="1" fill="hold">
+                                          <p:stCondLst>
+                                            <p:cond delay="0"/>
+                                          </p:stCondLst>
+                                        </p:cTn>
+                                        <p:tgtEl>
+                                          <p:spTgt spid="3">
+                                            <p:txEl>
+                                              <p:pRg st="0" end="0"/>
+                                            </p:txEl>
+                                          </p:spTgt>
+                                        </p:tgtEl>
+                                        <p:attrNameLst>
+                                          <p:attrName>style.visibility</p:attrName>
+                                        </p:attrNameLst>
+                                      </p:cBhvr>
+                                      <p:to>
+                                        <p:strVal val="visible"/>
+                                      </p:to>
+                                    </p:set>
+                                  </p:childTnLst>
+                                </p:cTn>
+                              </p:par>
+                            </p:childTnLst>
+                          </p:cTn>
+                        </p:par>
+                      </p:childTnLst>
+                    </p:cTn>
+                  </p:par>
+                  <p:par>
+                    <p:cTn id="7" fill="hold">
+                      <p:stCondLst>
+                        <p:cond delay="indefinite"/>
+                      </p:stCondLst>
+                      <p:childTnLst>
+                        <p:par>
+                          <p:cTn id="8" fill="hold">
+                            <p:stCondLst>
+                              <p:cond delay="0"/>
+                            </p:stCondLst>
+                            <p:childTnLst>
+                              <p:par>
+                                <p:cTn id="9" presetID="1" presetClass="entr" presetSubtype="0" fill="hold" grpId="0" nodeType="clickEffect">
+                                  <p:stCondLst>
+                                    <p:cond delay="0"/>
+                                  </p:stCondLst>
+                                  <p:childTnLst>
+                                    <p:set>
+                                      <p:cBhvr>
+                                        <p:cTn id="10" dur="1" fill="hold">
+                                          <p:stCondLst>
+                                            <p:cond delay="0"/>
+                                          </p:stCondLst>
+                                        </p:cTn>
+                                        <p:tgtEl>
+                                          <p:spTgt spid="3">
+                                            <p:txEl>
+                                              <p:pRg st="1" end="1"/>
+                                            </p:txEl>
+                                          </p:spTgt>
+                                        </p:tgtEl>
+                                        <p:attrNameLst>
+                                          <p:attrName>style.visibility</p:attrName>
+                                        </p:attrNameLst>
+                                      </p:cBhvr>
+                                      <p:to>
+                                        <p:strVal val="visible"/>
+                                      </p:to>
+                                    </p:set>
+                                  </p:childTnLst>
+                                </p:cTn>
+                              </p:par>
+                            </p:childTnLst>
+                          </p:cTn>
+                        </p:par>
+                      </p:childTnLst>
+                    </p:cTn>
+                  </p:par>
+                  <p:par>
+                    <p:cTn id="11" fill="hold">
+                      <p:stCondLst>
+                        <p:cond delay="indefinite"/>
+                      </p:stCondLst>
+                      <p:childTnLst>
+                        <p:par>
+                          <p:cTn id="12" fill="hold">
+                            <p:stCondLst>
+                              <p:cond delay="0"/>
+                            </p:stCondLst>
+                            <p:childTnLst>
+                              <p:par>
+                                <p:cTn id="13" presetID="1" presetClass="entr" presetSubtype="0" fill="hold" grpId="0" nodeType="clickEffect">
+                                  <p:stCondLst>
+                                    <p:cond delay="0"/>
+                                  </p:stCondLst>
+                                  <p:childTnLst>
+                                    <p:set>
+                                      <p:cBhvr>
+                                        <p:cTn id="14" dur="1" fill="hold">
+                                          <p:stCondLst>
+                                            <p:cond delay="0"/>
+                                          </p:stCondLst>
+                                        </p:cTn>
+                                        <p:tgtEl>
+                                          <p:spTgt spid="3">
+                                            <p:txEl>
+                                              <p:pRg st="2" end="2"/>
+                                            </p:txEl>
+                                          </p:spTgt>
+                                        </p:tgtEl>
+                                        <p:attrNameLst>
+                                          <p:attrName>style.visibility</p:attrName>
+                                        </p:attrNameLst>
+                                      </p:cBhvr>
+                                      <p:to>
+                                        <p:strVal val="visible"/>
+                                      </p:to>
+                                    </p:set>
+                                  </p:childTnLst>
+                                </p:cTn>
+                              </p:par>
+                            </p:childTnLst>
+                          </p:cTn>
+                        </p:par>
+                      </p:childTnLst>
+                    </p:cTn>
+                  </p:par>
+                </p:childTnLst>
+              </p:cTn>
+              <p:prevCondLst>
+                <p:cond evt="onPrev" delay="0">
+                  <p:tgtEl>
+                    <p:sldTgt/>
+                  </p:tgtEl>
+                </p:cond>
+              </p:prevCondLst>
+              <p:nextCondLst>
+                <p:cond evt="onNext" delay="0">
+                  <p:tgtEl>
+                    <p:sldTgt/>
+                  </p:tgtEl>
+                </p:cond>
+              </p:nextCondLst>
+            </p:seq>
+          </p:childTnLst>
+        </p:cTn>
+      </p:par>
+    </p:tnLst>
+    <p:bldLst>
+      <p:bldP spid="3" grpId="0" build="p"/>
+    </p:bldLst>
+  </p:timing>
 </p:sld>
 </file>
 
@@ -7486,12 +7666,9 @@
 </file>
 
 <file path=customXml/item1.xml><?xml version="1.0" encoding="utf-8"?>
-<?mso-contentType ?>
-<FormTemplates xmlns="http://schemas.microsoft.com/sharepoint/v3/contenttype/forms">
-  <Display>DocumentLibraryForm</Display>
-  <Edit>DocumentLibraryForm</Edit>
-  <New>DocumentLibraryForm</New>
-</FormTemplates>
+<p:properties xmlns:p="http://schemas.microsoft.com/office/2006/metadata/properties" xmlns:xsi="http://www.w3.org/2001/XMLSchema-instance" xmlns:pc="http://schemas.microsoft.com/office/infopath/2007/PartnerControls">
+  <documentManagement/>
+</p:properties>
 </file>
 
 <file path=customXml/item2.xml><?xml version="1.0" encoding="utf-8"?>
@@ -7724,15 +7901,27 @@
 </file>
 
 <file path=customXml/item3.xml><?xml version="1.0" encoding="utf-8"?>
-<p:properties xmlns:p="http://schemas.microsoft.com/office/2006/metadata/properties" xmlns:xsi="http://www.w3.org/2001/XMLSchema-instance" xmlns:pc="http://schemas.microsoft.com/office/infopath/2007/PartnerControls">
-  <documentManagement/>
-</p:properties>
+<?mso-contentType ?>
+<FormTemplates xmlns="http://schemas.microsoft.com/sharepoint/v3/contenttype/forms">
+  <Display>DocumentLibraryForm</Display>
+  <Edit>DocumentLibraryForm</Edit>
+  <New>DocumentLibraryForm</New>
+</FormTemplates>
 </file>
 
 <file path=customXml/itemProps1.xml><?xml version="1.0" encoding="utf-8"?>
-<ds:datastoreItem xmlns:ds="http://schemas.openxmlformats.org/officeDocument/2006/customXml" ds:itemID="{FFF71063-750A-4F15-A0E6-049A2BA10D5D}">
+<ds:datastoreItem xmlns:ds="http://schemas.openxmlformats.org/officeDocument/2006/customXml" ds:itemID="{82A546FB-9270-4554-87AE-89FE30D805B0}">
   <ds:schemaRefs>
-    <ds:schemaRef ds:uri="http://schemas.microsoft.com/sharepoint/v3/contenttype/forms"/>
+    <ds:schemaRef ds:uri="http://purl.org/dc/elements/1.1/"/>
+    <ds:schemaRef ds:uri="http://www.w3.org/XML/1998/namespace"/>
+    <ds:schemaRef ds:uri="http://schemas.openxmlformats.org/package/2006/metadata/core-properties"/>
+    <ds:schemaRef ds:uri="http://schemas.microsoft.com/office/2006/documentManagement/types"/>
+    <ds:schemaRef ds:uri="cc9255bc-4d99-4f42-bba5-857cbcc6e725"/>
+    <ds:schemaRef ds:uri="http://schemas.microsoft.com/office/infopath/2007/PartnerControls"/>
+    <ds:schemaRef ds:uri="http://purl.org/dc/terms/"/>
+    <ds:schemaRef ds:uri="fc2bff61-6a31-4c51-9f32-b9bba46405e5"/>
+    <ds:schemaRef ds:uri="http://schemas.microsoft.com/office/2006/metadata/properties"/>
+    <ds:schemaRef ds:uri="http://purl.org/dc/dcmitype/"/>
   </ds:schemaRefs>
 </ds:datastoreItem>
 </file>
@@ -7757,18 +7946,9 @@
 </file>
 
 <file path=customXml/itemProps3.xml><?xml version="1.0" encoding="utf-8"?>
-<ds:datastoreItem xmlns:ds="http://schemas.openxmlformats.org/officeDocument/2006/customXml" ds:itemID="{82A546FB-9270-4554-87AE-89FE30D805B0}">
+<ds:datastoreItem xmlns:ds="http://schemas.openxmlformats.org/officeDocument/2006/customXml" ds:itemID="{FFF71063-750A-4F15-A0E6-049A2BA10D5D}">
   <ds:schemaRefs>
-    <ds:schemaRef ds:uri="http://purl.org/dc/elements/1.1/"/>
-    <ds:schemaRef ds:uri="http://purl.org/dc/terms/"/>
-    <ds:schemaRef ds:uri="http://purl.org/dc/dcmitype/"/>
-    <ds:schemaRef ds:uri="http://schemas.microsoft.com/office/2006/metadata/properties"/>
-    <ds:schemaRef ds:uri="http://www.w3.org/XML/1998/namespace"/>
-    <ds:schemaRef ds:uri="http://schemas.microsoft.com/office/infopath/2007/PartnerControls"/>
-    <ds:schemaRef ds:uri="http://schemas.openxmlformats.org/package/2006/metadata/core-properties"/>
-    <ds:schemaRef ds:uri="http://schemas.microsoft.com/office/2006/documentManagement/types"/>
-    <ds:schemaRef ds:uri="fc2bff61-6a31-4c51-9f32-b9bba46405e5"/>
-    <ds:schemaRef ds:uri="cc9255bc-4d99-4f42-bba5-857cbcc6e725"/>
+    <ds:schemaRef ds:uri="http://schemas.microsoft.com/sharepoint/v3/contenttype/forms"/>
   </ds:schemaRefs>
 </ds:datastoreItem>
 </file>